--- a/DOCUMENTACION DE MASTER BARBER/DOCUMENTACION DE APOYO/RF-RNF.pptx
+++ b/DOCUMENTACION DE MASTER BARBER/DOCUMENTACION DE APOYO/RF-RNF.pptx
@@ -5,39 +5,31 @@
     <p:sldMasterId id="2147483648" r:id="rId1"/>
   </p:sldMasterIdLst>
   <p:notesMasterIdLst>
-    <p:notesMasterId r:id="rId8"/>
+    <p:notesMasterId r:id="rId7"/>
   </p:notesMasterIdLst>
   <p:sldIdLst>
     <p:sldId id="256" r:id="rId2"/>
     <p:sldId id="257" r:id="rId3"/>
     <p:sldId id="258" r:id="rId4"/>
-    <p:sldId id="261" r:id="rId5"/>
-    <p:sldId id="259" r:id="rId6"/>
-    <p:sldId id="260" r:id="rId7"/>
+    <p:sldId id="259" r:id="rId5"/>
+    <p:sldId id="260" r:id="rId6"/>
   </p:sldIdLst>
   <p:sldSz cx="12192000" cy="6858000"/>
   <p:notesSz cx="6858000" cy="9144000"/>
   <p:embeddedFontLst>
     <p:embeddedFont>
-      <p:font typeface="Calibri" panose="020F0502020204030204" pitchFamily="34" charset="0"/>
-      <p:regular r:id="rId9"/>
-      <p:bold r:id="rId10"/>
-      <p:italic r:id="rId11"/>
-      <p:boldItalic r:id="rId12"/>
-    </p:embeddedFont>
-    <p:embeddedFont>
       <p:font typeface="Work Sans" pitchFamily="2" charset="0"/>
-      <p:regular r:id="rId13"/>
-      <p:bold r:id="rId14"/>
-      <p:italic r:id="rId15"/>
-      <p:boldItalic r:id="rId16"/>
+      <p:regular r:id="rId8"/>
+      <p:bold r:id="rId9"/>
+      <p:italic r:id="rId10"/>
+      <p:boldItalic r:id="rId11"/>
     </p:embeddedFont>
     <p:embeddedFont>
       <p:font typeface="Work Sans Medium" pitchFamily="2" charset="0"/>
-      <p:regular r:id="rId17"/>
-      <p:bold r:id="rId18"/>
-      <p:italic r:id="rId19"/>
-      <p:boldItalic r:id="rId20"/>
+      <p:regular r:id="rId12"/>
+      <p:bold r:id="rId13"/>
+      <p:italic r:id="rId14"/>
+      <p:boldItalic r:id="rId15"/>
     </p:embeddedFont>
   </p:embeddedFontLst>
   <p:defaultTextStyle>
@@ -290,7 +282,7 @@
       </p15:sldGuideLst>
     </p:ext>
     <p:ext uri="GoogleSlidesCustomDataVersion2">
-      <go:slidesCustomData xmlns="" xmlns:mc="http://schemas.openxmlformats.org/markup-compatibility/2006" xmlns:mv="urn:schemas-microsoft-com:mac:vml" xmlns:c="http://schemas.openxmlformats.org/drawingml/2006/chart" xmlns:dgm="http://schemas.openxmlformats.org/drawingml/2006/diagram" xmlns:o="urn:schemas-microsoft-com:office:office" xmlns:v="urn:schemas-microsoft-com:vml" xmlns:pvml="urn:schemas-microsoft-com:office:powerpoint" xmlns:com="http://schemas.openxmlformats.org/drawingml/2006/compatibility" xmlns:p14="http://schemas.microsoft.com/office/powerpoint/2010/main" xmlns:p15="http://schemas.microsoft.com/office/powerpoint/2012/main" xmlns:ahyp="http://schemas.microsoft.com/office/drawing/2018/hyperlinkcolor" xmlns:go="http://customooxmlschemas.google.com/" r:id="rId21" roundtripDataSignature="AMtx7mj4UghhRUdI6fjnOcBj2qhuHqBvNQ=="/>
+      <go:slidesCustomData xmlns:go="http://customooxmlschemas.google.com/" xmlns:ahyp="http://schemas.microsoft.com/office/drawing/2018/hyperlinkcolor" xmlns:p15="http://schemas.microsoft.com/office/powerpoint/2012/main" xmlns:p14="http://schemas.microsoft.com/office/powerpoint/2010/main" xmlns:com="http://schemas.openxmlformats.org/drawingml/2006/compatibility" xmlns:pvml="urn:schemas-microsoft-com:office:powerpoint" xmlns:v="urn:schemas-microsoft-com:vml" xmlns:o="urn:schemas-microsoft-com:office:office" xmlns:dgm="http://schemas.openxmlformats.org/drawingml/2006/diagram" xmlns:c="http://schemas.openxmlformats.org/drawingml/2006/chart" xmlns:mv="urn:schemas-microsoft-com:mac:vml" xmlns:mc="http://schemas.openxmlformats.org/markup-compatibility/2006" xmlns="" r:id="rId21" roundtripDataSignature="AMtx7mj4UghhRUdI6fjnOcBj2qhuHqBvNQ=="/>
     </p:ext>
   </p:extLst>
 </p:presentation>
@@ -1806,115 +1798,6 @@
   <p:cSld>
     <p:spTree>
       <p:nvGrpSpPr>
-        <p:cNvPr id="1" name="Shape 103"/>
-        <p:cNvGrpSpPr/>
-        <p:nvPr/>
-      </p:nvGrpSpPr>
-      <p:grpSpPr>
-        <a:xfrm>
-          <a:off x="0" y="0"/>
-          <a:ext cx="0" cy="0"/>
-          <a:chOff x="0" y="0"/>
-          <a:chExt cx="0" cy="0"/>
-        </a:xfrm>
-      </p:grpSpPr>
-      <p:sp>
-        <p:nvSpPr>
-          <p:cNvPr id="104" name="Google Shape;104;p3:notes"/>
-          <p:cNvSpPr txBox="1">
-            <a:spLocks noGrp="1"/>
-          </p:cNvSpPr>
-          <p:nvPr>
-            <p:ph type="body" idx="1"/>
-          </p:nvPr>
-        </p:nvSpPr>
-        <p:spPr>
-          <a:xfrm>
-            <a:off x="685800" y="4400550"/>
-            <a:ext cx="5486400" cy="3600450"/>
-          </a:xfrm>
-          <a:prstGeom prst="rect">
-            <a:avLst/>
-          </a:prstGeom>
-        </p:spPr>
-        <p:txBody>
-          <a:bodyPr spcFirstLastPara="1" wrap="square" lIns="91425" tIns="45700" rIns="91425" bIns="45700" anchor="t" anchorCtr="0">
-            <a:noAutofit/>
-          </a:bodyPr>
-          <a:lstStyle/>
-          <a:p>
-            <a:pPr marL="0" lvl="0" indent="0" algn="l" rtl="0">
-              <a:spcBef>
-                <a:spcPts val="0"/>
-              </a:spcBef>
-              <a:spcAft>
-                <a:spcPts val="0"/>
-              </a:spcAft>
-              <a:buNone/>
-            </a:pPr>
-            <a:endParaRPr/>
-          </a:p>
-        </p:txBody>
-      </p:sp>
-      <p:sp>
-        <p:nvSpPr>
-          <p:cNvPr id="105" name="Google Shape;105;p3:notes"/>
-          <p:cNvSpPr>
-            <a:spLocks noGrp="1" noRot="1" noChangeAspect="1"/>
-          </p:cNvSpPr>
-          <p:nvPr>
-            <p:ph type="sldImg" idx="2"/>
-          </p:nvPr>
-        </p:nvSpPr>
-        <p:spPr>
-          <a:xfrm>
-            <a:off x="685800" y="1143000"/>
-            <a:ext cx="5486400" cy="3086100"/>
-          </a:xfrm>
-          <a:custGeom>
-            <a:avLst/>
-            <a:gdLst/>
-            <a:ahLst/>
-            <a:cxnLst/>
-            <a:rect l="l" t="t" r="r" b="b"/>
-            <a:pathLst>
-              <a:path w="120000" h="120000" extrusionOk="0">
-                <a:moveTo>
-                  <a:pt x="0" y="0"/>
-                </a:moveTo>
-                <a:lnTo>
-                  <a:pt x="120000" y="0"/>
-                </a:lnTo>
-                <a:lnTo>
-                  <a:pt x="120000" y="120000"/>
-                </a:lnTo>
-                <a:lnTo>
-                  <a:pt x="0" y="120000"/>
-                </a:lnTo>
-                <a:close/>
-              </a:path>
-            </a:pathLst>
-          </a:custGeom>
-        </p:spPr>
-      </p:sp>
-    </p:spTree>
-    <p:extLst>
-      <p:ext uri="{BB962C8B-B14F-4D97-AF65-F5344CB8AC3E}">
-        <p14:creationId xmlns:p14="http://schemas.microsoft.com/office/powerpoint/2010/main" val="1387540604"/>
-      </p:ext>
-    </p:extLst>
-  </p:cSld>
-  <p:clrMapOvr>
-    <a:masterClrMapping/>
-  </p:clrMapOvr>
-</p:notes>
-</file>
-
-<file path=ppt/notesSlides/notesSlide5.xml><?xml version="1.0" encoding="utf-8"?>
-<p:notes xmlns:a="http://schemas.openxmlformats.org/drawingml/2006/main" xmlns:r="http://schemas.openxmlformats.org/officeDocument/2006/relationships" xmlns:p="http://schemas.openxmlformats.org/presentationml/2006/main" showMasterSp="0" showMasterPhAnim="0">
-  <p:cSld>
-    <p:spTree>
-      <p:nvGrpSpPr>
         <p:cNvPr id="1" name="Shape 108"/>
         <p:cNvGrpSpPr/>
         <p:nvPr/>
@@ -2014,7 +1897,7 @@
 </p:notes>
 </file>
 
-<file path=ppt/notesSlides/notesSlide6.xml><?xml version="1.0" encoding="utf-8"?>
+<file path=ppt/notesSlides/notesSlide5.xml><?xml version="1.0" encoding="utf-8"?>
 <p:notes xmlns:a="http://schemas.openxmlformats.org/drawingml/2006/main" xmlns:r="http://schemas.openxmlformats.org/officeDocument/2006/relationships" xmlns:p="http://schemas.openxmlformats.org/presentationml/2006/main" showMasterSp="0" showMasterPhAnim="0">
   <p:cSld>
     <p:spTree>
@@ -13204,719 +13087,434 @@
       </p:cxnSp>
       <p:graphicFrame>
         <p:nvGraphicFramePr>
-          <p:cNvPr id="102" name="Google Shape;102;p2"/>
-          <p:cNvGraphicFramePr/>
+          <p:cNvPr id="3" name="Tabla 2">
+            <a:extLst>
+              <a:ext uri="{FF2B5EF4-FFF2-40B4-BE49-F238E27FC236}">
+                <a16:creationId xmlns:a16="http://schemas.microsoft.com/office/drawing/2014/main" id="{20EBFBF7-3733-CA63-8230-5D6B42930602}"/>
+              </a:ext>
+            </a:extLst>
+          </p:cNvPr>
+          <p:cNvGraphicFramePr>
+            <a:graphicFrameLocks noGrp="1"/>
+          </p:cNvGraphicFramePr>
           <p:nvPr>
             <p:extLst>
               <p:ext uri="{D42A27DB-BD31-4B8C-83A1-F6EECF244321}">
-                <p14:modId xmlns:p14="http://schemas.microsoft.com/office/powerpoint/2010/main" val="3017375231"/>
+                <p14:modId xmlns:p14="http://schemas.microsoft.com/office/powerpoint/2010/main" val="3269611633"/>
               </p:ext>
             </p:extLst>
           </p:nvPr>
         </p:nvGraphicFramePr>
         <p:xfrm>
-          <a:off x="770098" y="1361112"/>
-          <a:ext cx="9997500" cy="5241810"/>
+          <a:off x="1246353" y="1719346"/>
+          <a:ext cx="9699294" cy="4351337"/>
         </p:xfrm>
         <a:graphic>
           <a:graphicData uri="http://schemas.openxmlformats.org/drawingml/2006/table">
             <a:tbl>
               <a:tblPr firstRow="1" bandRow="1">
-                <a:noFill/>
                 <a:tableStyleId>{EB8F55C2-C6A8-4F32-9173-006296CE9A14}</a:tableStyleId>
               </a:tblPr>
               <a:tblGrid>
-                <a:gridCol w="1937800">
+                <a:gridCol w="2058321">
                   <a:extLst>
                     <a:ext uri="{9D8B030D-6E8A-4147-A177-3AD203B41FA5}">
-                      <a16:colId xmlns:a16="http://schemas.microsoft.com/office/drawing/2014/main" val="20000"/>
+                      <a16:colId xmlns:a16="http://schemas.microsoft.com/office/drawing/2014/main" val="2067888340"/>
                     </a:ext>
                   </a:extLst>
                 </a:gridCol>
-                <a:gridCol w="5256325">
+                <a:gridCol w="4407875">
                   <a:extLst>
                     <a:ext uri="{9D8B030D-6E8A-4147-A177-3AD203B41FA5}">
-                      <a16:colId xmlns:a16="http://schemas.microsoft.com/office/drawing/2014/main" val="20001"/>
+                      <a16:colId xmlns:a16="http://schemas.microsoft.com/office/drawing/2014/main" val="1587512246"/>
                     </a:ext>
                   </a:extLst>
                 </a:gridCol>
-                <a:gridCol w="2803375">
+                <a:gridCol w="3233098">
                   <a:extLst>
                     <a:ext uri="{9D8B030D-6E8A-4147-A177-3AD203B41FA5}">
-                      <a16:colId xmlns:a16="http://schemas.microsoft.com/office/drawing/2014/main" val="20002"/>
+                      <a16:colId xmlns:a16="http://schemas.microsoft.com/office/drawing/2014/main" val="1629972675"/>
                     </a:ext>
                   </a:extLst>
                 </a:gridCol>
               </a:tblGrid>
-              <a:tr h="727350">
+              <a:tr h="1346990">
                 <a:tc>
                   <a:txBody>
                     <a:bodyPr/>
                     <a:lstStyle/>
                     <a:p>
-                      <a:pPr marL="0" marR="0" lvl="0" indent="0" algn="ctr" rtl="0">
-                        <a:spcBef>
-                          <a:spcPts val="0"/>
-                        </a:spcBef>
-                        <a:spcAft>
-                          <a:spcPts val="0"/>
-                        </a:spcAft>
-                        <a:buNone/>
-                      </a:pPr>
+                      <a:pPr algn="ctr" rtl="0" fontAlgn="ctr"/>
                       <a:r>
-                        <a:rPr lang="es-ES" sz="1800" u="none" strike="noStrike" cap="none">
-                          <a:solidFill>
-                            <a:schemeClr val="dk1"/>
-                          </a:solidFill>
+                        <a:rPr lang="es-CO" sz="1800" u="none" strike="noStrike" dirty="0">
+                          <a:effectLst/>
                         </a:rPr>
-                        <a:t>No.de Requisito</a:t>
+                        <a:t>RF1</a:t>
                       </a:r>
-                      <a:endParaRPr sz="1800" u="none" strike="noStrike" cap="none">
+                      <a:endParaRPr lang="es-CO" sz="1800" b="0" i="0" u="none" strike="noStrike" dirty="0">
                         <a:solidFill>
-                          <a:schemeClr val="dk1"/>
+                          <a:srgbClr val="000000"/>
                         </a:solidFill>
+                        <a:effectLst/>
+                        <a:latin typeface="Calibri" panose="020F0502020204030204" pitchFamily="34" charset="0"/>
                       </a:endParaRPr>
                     </a:p>
                   </a:txBody>
-                  <a:tcPr marL="91450" marR="91450" marT="45725" marB="45725">
-                    <a:solidFill>
-                      <a:schemeClr val="accent6"/>
-                    </a:solidFill>
-                  </a:tcPr>
+                  <a:tcPr marL="2387" marR="2387" marT="2387" marB="0" anchor="ctr"/>
                 </a:tc>
                 <a:tc>
                   <a:txBody>
                     <a:bodyPr/>
                     <a:lstStyle/>
                     <a:p>
-                      <a:pPr marL="0" marR="0" lvl="0" indent="0" algn="ctr" rtl="0">
-                        <a:spcBef>
-                          <a:spcPts val="0"/>
-                        </a:spcBef>
-                        <a:spcAft>
-                          <a:spcPts val="0"/>
-                        </a:spcAft>
-                        <a:buNone/>
-                      </a:pPr>
+                      <a:pPr algn="ctr" rtl="0" fontAlgn="ctr"/>
                       <a:r>
-                        <a:rPr lang="es-ES" sz="1800" u="none" strike="noStrike" cap="none">
-                          <a:solidFill>
-                            <a:schemeClr val="dk1"/>
-                          </a:solidFill>
+                        <a:rPr lang="es-MX" sz="1800" u="none" strike="noStrike">
+                          <a:effectLst/>
                         </a:rPr>
-                        <a:t>Nombre de requisito</a:t>
+                        <a:t>El sistema permitirá a los clientes registrarse proporcionando información (Nombre de usuario, Fecha de nacimiento, Correo electrónico, Contraseña) .</a:t>
                       </a:r>
-                      <a:endParaRPr sz="1800" u="none" strike="noStrike" cap="none">
+                      <a:endParaRPr lang="es-MX" sz="1800" b="0" i="0" u="none" strike="noStrike">
                         <a:solidFill>
-                          <a:schemeClr val="dk1"/>
+                          <a:srgbClr val="FFFFFF"/>
                         </a:solidFill>
+                        <a:effectLst/>
+                        <a:latin typeface="Calibri" panose="020F0502020204030204" pitchFamily="34" charset="0"/>
                       </a:endParaRPr>
                     </a:p>
                   </a:txBody>
-                  <a:tcPr marL="91450" marR="91450" marT="45725" marB="45725">
-                    <a:solidFill>
-                      <a:schemeClr val="accent6"/>
-                    </a:solidFill>
-                  </a:tcPr>
+                  <a:tcPr marL="2387" marR="2387" marT="2387" marB="0" anchor="ctr"/>
                 </a:tc>
                 <a:tc>
                   <a:txBody>
                     <a:bodyPr/>
                     <a:lstStyle/>
                     <a:p>
-                      <a:pPr marL="0" marR="0" lvl="0" indent="0" algn="ctr" rtl="0">
-                        <a:spcBef>
-                          <a:spcPts val="0"/>
-                        </a:spcBef>
-                        <a:spcAft>
-                          <a:spcPts val="0"/>
-                        </a:spcAft>
-                        <a:buNone/>
-                      </a:pPr>
+                      <a:pPr algn="ctr" rtl="0" fontAlgn="ctr"/>
                       <a:r>
-                        <a:rPr lang="es-ES" sz="1800" u="none" strike="noStrike" cap="none">
-                          <a:solidFill>
-                            <a:schemeClr val="dk1"/>
-                          </a:solidFill>
+                        <a:rPr lang="es-CO" sz="1800" u="none" strike="noStrike">
+                          <a:effectLst/>
                         </a:rPr>
-                        <a:t>Prioridad</a:t>
+                        <a:t>Alta</a:t>
                       </a:r>
-                      <a:endParaRPr sz="1800" u="none" strike="noStrike" cap="none">
+                      <a:endParaRPr lang="es-CO" sz="1800" b="1" i="0" u="none" strike="noStrike">
                         <a:solidFill>
-                          <a:schemeClr val="dk1"/>
+                          <a:srgbClr val="FFFFFF"/>
                         </a:solidFill>
+                        <a:effectLst/>
+                        <a:latin typeface="Calibri" panose="020F0502020204030204" pitchFamily="34" charset="0"/>
                       </a:endParaRPr>
                     </a:p>
                   </a:txBody>
-                  <a:tcPr marL="91450" marR="91450" marT="45725" marB="45725">
-                    <a:solidFill>
-                      <a:schemeClr val="accent6"/>
-                    </a:solidFill>
-                  </a:tcPr>
+                  <a:tcPr marL="2387" marR="2387" marT="2387" marB="0" anchor="ctr"/>
                 </a:tc>
                 <a:extLst>
                   <a:ext uri="{0D108BD9-81ED-4DB2-BD59-A6C34878D82A}">
-                    <a16:rowId xmlns:a16="http://schemas.microsoft.com/office/drawing/2014/main" val="10000"/>
+                    <a16:rowId xmlns:a16="http://schemas.microsoft.com/office/drawing/2014/main" val="21266036"/>
                   </a:ext>
                 </a:extLst>
               </a:tr>
-              <a:tr h="601375">
+              <a:tr h="1102517">
                 <a:tc>
                   <a:txBody>
                     <a:bodyPr/>
                     <a:lstStyle/>
                     <a:p>
-                      <a:pPr marL="0" marR="0" lvl="0" indent="0" algn="l" rtl="0">
-                        <a:spcBef>
-                          <a:spcPts val="0"/>
-                        </a:spcBef>
-                        <a:spcAft>
-                          <a:spcPts val="0"/>
-                        </a:spcAft>
-                        <a:buNone/>
-                      </a:pPr>
+                      <a:pPr algn="ctr" rtl="0" fontAlgn="ctr"/>
                       <a:r>
-                        <a:rPr lang="es-ES" sz="1800" u="none" strike="noStrike" cap="none"/>
-                        <a:t>RF1</a:t>
+                        <a:rPr lang="es-CO" sz="1800" u="none" strike="noStrike">
+                          <a:effectLst/>
+                        </a:rPr>
+                        <a:t>RF2</a:t>
                       </a:r>
-                      <a:endParaRPr sz="1800" u="none" strike="noStrike" cap="none"/>
+                      <a:endParaRPr lang="es-CO" sz="1800" b="0" i="0" u="none" strike="noStrike">
+                        <a:solidFill>
+                          <a:srgbClr val="000000"/>
+                        </a:solidFill>
+                        <a:effectLst/>
+                        <a:latin typeface="Calibri" panose="020F0502020204030204" pitchFamily="34" charset="0"/>
+                      </a:endParaRPr>
                     </a:p>
                   </a:txBody>
-                  <a:tcPr marL="91450" marR="91450" marT="45725" marB="45725"/>
+                  <a:tcPr marL="2387" marR="2387" marT="2387" marB="0" anchor="ctr"/>
                 </a:tc>
                 <a:tc>
                   <a:txBody>
                     <a:bodyPr/>
                     <a:lstStyle/>
                     <a:p>
-                      <a:pPr marL="0" marR="0" lvl="0" indent="0" algn="l" rtl="0">
-                        <a:spcBef>
-                          <a:spcPts val="0"/>
-                        </a:spcBef>
-                        <a:spcAft>
-                          <a:spcPts val="0"/>
-                        </a:spcAft>
-                        <a:buNone/>
-                      </a:pPr>
+                      <a:pPr algn="ctr" rtl="0" fontAlgn="ctr"/>
                       <a:r>
-                        <a:rPr lang="es-ES" sz="1600" u="none" strike="noStrike" cap="none"/>
-                        <a:t>El sistema permitirá a los clientes registrarse proporcionando información (Nombre de usuario, Fecha de nacimiento, Correo electrónico, Contraseña) .</a:t>
+                        <a:rPr lang="es-MX" sz="1800" u="none" strike="noStrike">
+                          <a:effectLst/>
+                        </a:rPr>
+                        <a:t>El sistema permitirá a los clientes iniciar sesión proporcionando los datos requeridos como lo son (Correo electrónico y Contraseña)</a:t>
                       </a:r>
-                      <a:endParaRPr sz="1600" u="none" strike="noStrike" cap="none"/>
+                      <a:endParaRPr lang="es-MX" sz="1800" b="0" i="0" u="none" strike="noStrike">
+                        <a:solidFill>
+                          <a:srgbClr val="000000"/>
+                        </a:solidFill>
+                        <a:effectLst/>
+                        <a:latin typeface="Calibri" panose="020F0502020204030204" pitchFamily="34" charset="0"/>
+                      </a:endParaRPr>
                     </a:p>
                   </a:txBody>
-                  <a:tcPr marL="91450" marR="91450" marT="45725" marB="45725"/>
+                  <a:tcPr marL="2387" marR="2387" marT="2387" marB="0" anchor="ctr"/>
                 </a:tc>
                 <a:tc>
                   <a:txBody>
                     <a:bodyPr/>
                     <a:lstStyle/>
                     <a:p>
-                      <a:pPr marL="0" marR="0" lvl="0" indent="0" algn="ctr" rtl="0">
-                        <a:spcBef>
-                          <a:spcPts val="0"/>
-                        </a:spcBef>
-                        <a:spcAft>
-                          <a:spcPts val="0"/>
-                        </a:spcAft>
-                        <a:buNone/>
-                      </a:pPr>
+                      <a:pPr algn="ctr" rtl="0" fontAlgn="ctr"/>
                       <a:r>
-                        <a:rPr lang="es-ES" sz="1800" u="none" strike="noStrike" cap="none"/>
-                        <a:t>Alta</a:t>
+                        <a:rPr lang="es-CO" sz="1800" u="none" strike="noStrike">
+                          <a:effectLst/>
+                        </a:rPr>
+                        <a:t>Alta </a:t>
                       </a:r>
-                      <a:endParaRPr sz="1800" u="none" strike="noStrike" cap="none"/>
+                      <a:endParaRPr lang="es-CO" sz="1800" b="0" i="0" u="none" strike="noStrike">
+                        <a:solidFill>
+                          <a:srgbClr val="000000"/>
+                        </a:solidFill>
+                        <a:effectLst/>
+                        <a:latin typeface="Calibri" panose="020F0502020204030204" pitchFamily="34" charset="0"/>
+                      </a:endParaRPr>
                     </a:p>
                   </a:txBody>
-                  <a:tcPr marL="91450" marR="91450" marT="45725" marB="45725"/>
+                  <a:tcPr marL="2387" marR="2387" marT="2387" marB="0" anchor="ctr"/>
                 </a:tc>
                 <a:extLst>
                   <a:ext uri="{0D108BD9-81ED-4DB2-BD59-A6C34878D82A}">
-                    <a16:rowId xmlns:a16="http://schemas.microsoft.com/office/drawing/2014/main" val="10001"/>
+                    <a16:rowId xmlns:a16="http://schemas.microsoft.com/office/drawing/2014/main" val="2540249119"/>
                   </a:ext>
                 </a:extLst>
               </a:tr>
-              <a:tr h="228600">
+              <a:tr h="735807">
                 <a:tc>
                   <a:txBody>
                     <a:bodyPr/>
                     <a:lstStyle/>
                     <a:p>
-                      <a:pPr marL="0" marR="0" lvl="0" indent="0" algn="l" rtl="0">
-                        <a:spcBef>
-                          <a:spcPts val="0"/>
-                        </a:spcBef>
-                        <a:spcAft>
-                          <a:spcPts val="0"/>
-                        </a:spcAft>
-                        <a:buNone/>
-                      </a:pPr>
+                      <a:pPr algn="ctr" rtl="0" fontAlgn="ctr"/>
                       <a:r>
-                        <a:rPr lang="es-ES" sz="1800" u="none" strike="noStrike" cap="none"/>
-                        <a:t>RF2</a:t>
+                        <a:rPr lang="es-CO" sz="1800" u="none" strike="noStrike">
+                          <a:effectLst/>
+                        </a:rPr>
+                        <a:t>RF3</a:t>
                       </a:r>
-                      <a:endParaRPr sz="1800"/>
+                      <a:endParaRPr lang="es-CO" sz="1800" b="0" i="0" u="none" strike="noStrike">
+                        <a:solidFill>
+                          <a:srgbClr val="000000"/>
+                        </a:solidFill>
+                        <a:effectLst/>
+                        <a:latin typeface="Calibri" panose="020F0502020204030204" pitchFamily="34" charset="0"/>
+                      </a:endParaRPr>
                     </a:p>
                   </a:txBody>
-                  <a:tcPr marL="91450" marR="91450" marT="45725" marB="45725"/>
+                  <a:tcPr marL="2387" marR="2387" marT="2387" marB="0" anchor="ctr"/>
                 </a:tc>
                 <a:tc>
                   <a:txBody>
                     <a:bodyPr/>
                     <a:lstStyle/>
                     <a:p>
-                      <a:pPr marL="0" marR="0" lvl="0" indent="0" algn="l" rtl="0">
-                        <a:lnSpc>
-                          <a:spcPct val="100000"/>
-                        </a:lnSpc>
-                        <a:spcBef>
-                          <a:spcPts val="0"/>
-                        </a:spcBef>
-                        <a:spcAft>
-                          <a:spcPts val="0"/>
-                        </a:spcAft>
-                        <a:buClr>
-                          <a:schemeClr val="dk1"/>
-                        </a:buClr>
-                        <a:buSzPts val="1600"/>
-                        <a:buFont typeface="Calibri"/>
-                        <a:buNone/>
-                      </a:pPr>
+                      <a:pPr algn="ctr" rtl="0" fontAlgn="ctr"/>
                       <a:r>
-                        <a:rPr lang="es-ES" sz="1600" b="0">
-                          <a:solidFill>
-                            <a:schemeClr val="dk1"/>
-                          </a:solidFill>
+                        <a:rPr lang="es-MX" sz="1800" u="none" strike="noStrike">
+                          <a:effectLst/>
                         </a:rPr>
-                        <a:t>El sistema permitirá a los clientes iniciar sesión proporcionando los datos requeridos como lo son (Correo electrónico y Contraseña)</a:t>
+                        <a:t>El sistema permitirá a los barberos ingresar y obtener sus propias funciones </a:t>
                       </a:r>
-                      <a:endParaRPr sz="1600" b="0">
+                      <a:endParaRPr lang="es-MX" sz="1800" b="0" i="0" u="none" strike="noStrike">
                         <a:solidFill>
-                          <a:schemeClr val="dk1"/>
+                          <a:srgbClr val="000000"/>
                         </a:solidFill>
+                        <a:effectLst/>
+                        <a:latin typeface="Calibri" panose="020F0502020204030204" pitchFamily="34" charset="0"/>
                       </a:endParaRPr>
                     </a:p>
-                    <a:p>
-                      <a:pPr marL="0" marR="0" lvl="0" indent="0" algn="l" rtl="0">
-                        <a:spcBef>
-                          <a:spcPts val="0"/>
-                        </a:spcBef>
-                        <a:spcAft>
-                          <a:spcPts val="0"/>
-                        </a:spcAft>
-                        <a:buNone/>
-                      </a:pPr>
-                      <a:endParaRPr sz="1600"/>
-                    </a:p>
                   </a:txBody>
-                  <a:tcPr marL="91450" marR="91450" marT="45725" marB="45725"/>
+                  <a:tcPr marL="2387" marR="2387" marT="2387" marB="0" anchor="ctr"/>
                 </a:tc>
                 <a:tc>
                   <a:txBody>
                     <a:bodyPr/>
                     <a:lstStyle/>
                     <a:p>
-                      <a:pPr marL="0" marR="0" lvl="0" indent="0" algn="ctr" rtl="0">
-                        <a:spcBef>
-                          <a:spcPts val="0"/>
-                        </a:spcBef>
-                        <a:spcAft>
-                          <a:spcPts val="0"/>
-                        </a:spcAft>
-                        <a:buNone/>
-                      </a:pPr>
+                      <a:pPr algn="ctr" rtl="0" fontAlgn="ctr"/>
                       <a:r>
-                        <a:rPr lang="es-ES" sz="1800"/>
-                        <a:t>Alta </a:t>
+                        <a:rPr lang="es-CO" sz="1800" u="none" strike="noStrike">
+                          <a:effectLst/>
+                        </a:rPr>
+                        <a:t>Alta</a:t>
                       </a:r>
-                      <a:endParaRPr sz="1800"/>
+                      <a:endParaRPr lang="es-CO" sz="1800" b="0" i="0" u="none" strike="noStrike">
+                        <a:solidFill>
+                          <a:srgbClr val="000000"/>
+                        </a:solidFill>
+                        <a:effectLst/>
+                        <a:latin typeface="Calibri" panose="020F0502020204030204" pitchFamily="34" charset="0"/>
+                      </a:endParaRPr>
                     </a:p>
                   </a:txBody>
-                  <a:tcPr marL="91450" marR="91450" marT="45725" marB="45725"/>
+                  <a:tcPr marL="2387" marR="2387" marT="2387" marB="0" anchor="ctr"/>
                 </a:tc>
                 <a:extLst>
                   <a:ext uri="{0D108BD9-81ED-4DB2-BD59-A6C34878D82A}">
-                    <a16:rowId xmlns:a16="http://schemas.microsoft.com/office/drawing/2014/main" val="10002"/>
+                    <a16:rowId xmlns:a16="http://schemas.microsoft.com/office/drawing/2014/main" val="2712697655"/>
                   </a:ext>
                 </a:extLst>
               </a:tr>
-              <a:tr h="601375">
+              <a:tr h="552452">
                 <a:tc>
                   <a:txBody>
                     <a:bodyPr/>
                     <a:lstStyle/>
                     <a:p>
-                      <a:pPr marL="0" marR="0" lvl="0" indent="0" algn="l" rtl="0">
-                        <a:spcBef>
-                          <a:spcPts val="0"/>
-                        </a:spcBef>
-                        <a:spcAft>
-                          <a:spcPts val="0"/>
-                        </a:spcAft>
-                        <a:buNone/>
-                      </a:pPr>
+                      <a:pPr algn="ctr" rtl="0" fontAlgn="ctr"/>
                       <a:r>
-                        <a:rPr lang="es-ES" sz="1800"/>
-                        <a:t>RF3</a:t>
+                        <a:rPr lang="es-CO" sz="1800" u="none" strike="noStrike" dirty="0">
+                          <a:effectLst/>
+                        </a:rPr>
+                        <a:t>RF4</a:t>
                       </a:r>
-                      <a:endParaRPr sz="1800"/>
+                      <a:endParaRPr lang="es-CO" sz="1800" b="0" i="0" u="none" strike="noStrike" dirty="0">
+                        <a:solidFill>
+                          <a:srgbClr val="000000"/>
+                        </a:solidFill>
+                        <a:effectLst/>
+                        <a:latin typeface="Calibri" panose="020F0502020204030204" pitchFamily="34" charset="0"/>
+                      </a:endParaRPr>
                     </a:p>
                   </a:txBody>
-                  <a:tcPr marL="91450" marR="91450" marT="45725" marB="45725"/>
+                  <a:tcPr marL="2387" marR="2387" marT="2387" marB="0" anchor="ctr"/>
                 </a:tc>
                 <a:tc>
                   <a:txBody>
                     <a:bodyPr/>
                     <a:lstStyle/>
                     <a:p>
-                      <a:pPr marL="0" marR="0" lvl="0" indent="0" algn="l" rtl="0">
-                        <a:spcBef>
-                          <a:spcPts val="0"/>
-                        </a:spcBef>
-                        <a:spcAft>
-                          <a:spcPts val="0"/>
-                        </a:spcAft>
-                        <a:buNone/>
-                      </a:pPr>
+                      <a:pPr algn="ctr" rtl="0" fontAlgn="ctr"/>
                       <a:r>
-                        <a:rPr lang="es-ES" sz="1600"/>
-                        <a:t>El sistema permitirá a los barberos ingresar y obtener sus propias funciones </a:t>
+                        <a:rPr lang="es-MX" sz="1800" u="none" strike="noStrike">
+                          <a:effectLst/>
+                        </a:rPr>
+                        <a:t>El sistema permitirá a los barberos asignar su disponibilidad</a:t>
                       </a:r>
-                      <a:endParaRPr sz="1600"/>
+                      <a:endParaRPr lang="es-MX" sz="1800" b="0" i="0" u="none" strike="noStrike">
+                        <a:solidFill>
+                          <a:srgbClr val="000000"/>
+                        </a:solidFill>
+                        <a:effectLst/>
+                        <a:latin typeface="Calibri" panose="020F0502020204030204" pitchFamily="34" charset="0"/>
+                      </a:endParaRPr>
                     </a:p>
                   </a:txBody>
-                  <a:tcPr marL="91450" marR="91450" marT="45725" marB="45725"/>
+                  <a:tcPr marL="2387" marR="2387" marT="2387" marB="0" anchor="ctr"/>
                 </a:tc>
                 <a:tc>
                   <a:txBody>
                     <a:bodyPr/>
                     <a:lstStyle/>
                     <a:p>
-                      <a:pPr marL="0" marR="0" lvl="0" indent="0" algn="ctr" rtl="0">
-                        <a:spcBef>
-                          <a:spcPts val="0"/>
-                        </a:spcBef>
-                        <a:spcAft>
-                          <a:spcPts val="0"/>
-                        </a:spcAft>
-                        <a:buNone/>
-                      </a:pPr>
+                      <a:pPr algn="ctr" rtl="0" fontAlgn="ctr"/>
                       <a:r>
-                        <a:rPr lang="es-ES" sz="1800"/>
+                        <a:rPr lang="es-CO" sz="1800" u="none" strike="noStrike">
+                          <a:effectLst/>
+                        </a:rPr>
                         <a:t>Alta</a:t>
                       </a:r>
-                      <a:endParaRPr sz="1800"/>
+                      <a:endParaRPr lang="es-CO" sz="1800" b="0" i="0" u="none" strike="noStrike">
+                        <a:solidFill>
+                          <a:srgbClr val="000000"/>
+                        </a:solidFill>
+                        <a:effectLst/>
+                        <a:latin typeface="Calibri" panose="020F0502020204030204" pitchFamily="34" charset="0"/>
+                      </a:endParaRPr>
                     </a:p>
                   </a:txBody>
-                  <a:tcPr marL="91450" marR="91450" marT="45725" marB="45725"/>
+                  <a:tcPr marL="2387" marR="2387" marT="2387" marB="0" anchor="ctr"/>
                 </a:tc>
                 <a:extLst>
                   <a:ext uri="{0D108BD9-81ED-4DB2-BD59-A6C34878D82A}">
-                    <a16:rowId xmlns:a16="http://schemas.microsoft.com/office/drawing/2014/main" val="10003"/>
+                    <a16:rowId xmlns:a16="http://schemas.microsoft.com/office/drawing/2014/main" val="3565707950"/>
                   </a:ext>
                 </a:extLst>
               </a:tr>
-              <a:tr h="601375">
+              <a:tr h="613571">
                 <a:tc>
                   <a:txBody>
                     <a:bodyPr/>
                     <a:lstStyle/>
                     <a:p>
-                      <a:pPr marL="0" marR="0" lvl="0" indent="0" algn="l" rtl="0">
-                        <a:spcBef>
-                          <a:spcPts val="0"/>
-                        </a:spcBef>
-                        <a:spcAft>
-                          <a:spcPts val="0"/>
-                        </a:spcAft>
-                        <a:buNone/>
-                      </a:pPr>
+                      <a:pPr algn="ctr" rtl="0" fontAlgn="ctr"/>
                       <a:r>
-                        <a:rPr lang="es-ES" sz="1800" dirty="0"/>
-                        <a:t>RF4</a:t>
+                        <a:rPr lang="es-CO" sz="1800" u="none" strike="noStrike" dirty="0">
+                          <a:effectLst/>
+                        </a:rPr>
+                        <a:t>RF5</a:t>
                       </a:r>
-                      <a:endParaRPr sz="1800" dirty="0"/>
+                      <a:endParaRPr lang="es-CO" sz="1800" b="0" i="0" u="none" strike="noStrike" dirty="0">
+                        <a:solidFill>
+                          <a:srgbClr val="000000"/>
+                        </a:solidFill>
+                        <a:effectLst/>
+                        <a:latin typeface="Calibri" panose="020F0502020204030204" pitchFamily="34" charset="0"/>
+                      </a:endParaRPr>
                     </a:p>
                   </a:txBody>
-                  <a:tcPr marL="91450" marR="91450" marT="45725" marB="45725"/>
+                  <a:tcPr marL="2387" marR="2387" marT="2387" marB="0" anchor="ctr"/>
                 </a:tc>
                 <a:tc>
                   <a:txBody>
                     <a:bodyPr/>
                     <a:lstStyle/>
                     <a:p>
-                      <a:pPr marL="0" marR="0" lvl="0" indent="0" algn="l" rtl="0">
-                        <a:spcBef>
-                          <a:spcPts val="0"/>
-                        </a:spcBef>
-                        <a:spcAft>
-                          <a:spcPts val="0"/>
-                        </a:spcAft>
-                        <a:buNone/>
-                      </a:pPr>
+                      <a:pPr algn="ctr" rtl="0" fontAlgn="ctr"/>
                       <a:r>
-                        <a:rPr lang="es-ES" sz="1600" dirty="0"/>
-                        <a:t>El sistema permitirá al Administrador gestionar el inventario </a:t>
+                        <a:rPr lang="es-MX" sz="1800" u="none" strike="noStrike">
+                          <a:effectLst/>
+                        </a:rPr>
+                        <a:t>El sistema permitirá al cliente modificar o especificar su perfil </a:t>
                       </a:r>
-                      <a:endParaRPr sz="1600" dirty="0"/>
+                      <a:endParaRPr lang="es-MX" sz="1800" b="0" i="0" u="none" strike="noStrike">
+                        <a:solidFill>
+                          <a:srgbClr val="000000"/>
+                        </a:solidFill>
+                        <a:effectLst/>
+                        <a:latin typeface="Calibri" panose="020F0502020204030204" pitchFamily="34" charset="0"/>
+                      </a:endParaRPr>
                     </a:p>
                   </a:txBody>
-                  <a:tcPr marL="91450" marR="91450" marT="45725" marB="45725"/>
+                  <a:tcPr marL="2387" marR="2387" marT="2387" marB="0" anchor="ctr"/>
                 </a:tc>
                 <a:tc>
                   <a:txBody>
                     <a:bodyPr/>
                     <a:lstStyle/>
                     <a:p>
-                      <a:pPr marL="0" marR="0" lvl="0" indent="0" algn="ctr" rtl="0">
-                        <a:spcBef>
-                          <a:spcPts val="0"/>
-                        </a:spcBef>
-                        <a:spcAft>
-                          <a:spcPts val="0"/>
-                        </a:spcAft>
-                        <a:buNone/>
-                      </a:pPr>
+                      <a:pPr algn="ctr" rtl="0" fontAlgn="ctr"/>
                       <a:r>
-                        <a:rPr lang="es-ES" sz="1800"/>
-                        <a:t>Alta </a:t>
+                        <a:rPr lang="es-CO" sz="1800" u="none" strike="noStrike" dirty="0">
+                          <a:effectLst/>
+                        </a:rPr>
+                        <a:t>Media</a:t>
                       </a:r>
-                      <a:endParaRPr sz="1800"/>
+                      <a:endParaRPr lang="es-CO" sz="1800" b="0" i="0" u="none" strike="noStrike" dirty="0">
+                        <a:solidFill>
+                          <a:srgbClr val="000000"/>
+                        </a:solidFill>
+                        <a:effectLst/>
+                        <a:latin typeface="Calibri" panose="020F0502020204030204" pitchFamily="34" charset="0"/>
+                      </a:endParaRPr>
                     </a:p>
                   </a:txBody>
-                  <a:tcPr marL="91450" marR="91450" marT="45725" marB="45725"/>
+                  <a:tcPr marL="2387" marR="2387" marT="2387" marB="0" anchor="ctr"/>
                 </a:tc>
                 <a:extLst>
                   <a:ext uri="{0D108BD9-81ED-4DB2-BD59-A6C34878D82A}">
-                    <a16:rowId xmlns:a16="http://schemas.microsoft.com/office/drawing/2014/main" val="10004"/>
-                  </a:ext>
-                </a:extLst>
-              </a:tr>
-              <a:tr h="421400">
-                <a:tc>
-                  <a:txBody>
-                    <a:bodyPr/>
-                    <a:lstStyle/>
-                    <a:p>
-                      <a:pPr marL="0" marR="0" lvl="0" indent="0" algn="l" rtl="0">
-                        <a:spcBef>
-                          <a:spcPts val="0"/>
-                        </a:spcBef>
-                        <a:spcAft>
-                          <a:spcPts val="0"/>
-                        </a:spcAft>
-                        <a:buNone/>
-                      </a:pPr>
-                      <a:r>
-                        <a:rPr lang="es-ES" sz="1800"/>
-                        <a:t>RF5</a:t>
-                      </a:r>
-                      <a:endParaRPr sz="1800"/>
-                    </a:p>
-                  </a:txBody>
-                  <a:tcPr marL="91450" marR="91450" marT="45725" marB="45725"/>
-                </a:tc>
-                <a:tc>
-                  <a:txBody>
-                    <a:bodyPr/>
-                    <a:lstStyle/>
-                    <a:p>
-                      <a:pPr marL="0" marR="0" lvl="0" indent="0" algn="l" rtl="0">
-                        <a:spcBef>
-                          <a:spcPts val="0"/>
-                        </a:spcBef>
-                        <a:spcAft>
-                          <a:spcPts val="0"/>
-                        </a:spcAft>
-                        <a:buNone/>
-                      </a:pPr>
-                      <a:r>
-                        <a:rPr lang="es-ES" sz="1600" dirty="0"/>
-                        <a:t>El sistema permitirá a los barberos asignar su disponibilidad</a:t>
-                      </a:r>
-                      <a:endParaRPr sz="1600" dirty="0"/>
-                    </a:p>
-                  </a:txBody>
-                  <a:tcPr marL="91450" marR="91450" marT="45725" marB="45725"/>
-                </a:tc>
-                <a:tc>
-                  <a:txBody>
-                    <a:bodyPr/>
-                    <a:lstStyle/>
-                    <a:p>
-                      <a:pPr marL="0" marR="0" lvl="0" indent="0" algn="ctr" rtl="0">
-                        <a:spcBef>
-                          <a:spcPts val="0"/>
-                        </a:spcBef>
-                        <a:spcAft>
-                          <a:spcPts val="0"/>
-                        </a:spcAft>
-                        <a:buNone/>
-                      </a:pPr>
-                      <a:r>
-                        <a:rPr lang="es-ES" sz="1800"/>
-                        <a:t>Alta</a:t>
-                      </a:r>
-                      <a:endParaRPr sz="1800"/>
-                    </a:p>
-                  </a:txBody>
-                  <a:tcPr marL="91450" marR="91450" marT="45725" marB="45725"/>
-                </a:tc>
-                <a:extLst>
-                  <a:ext uri="{0D108BD9-81ED-4DB2-BD59-A6C34878D82A}">
-                    <a16:rowId xmlns:a16="http://schemas.microsoft.com/office/drawing/2014/main" val="10005"/>
-                  </a:ext>
-                </a:extLst>
-              </a:tr>
-              <a:tr h="421400">
-                <a:tc>
-                  <a:txBody>
-                    <a:bodyPr/>
-                    <a:lstStyle/>
-                    <a:p>
-                      <a:pPr marL="0" marR="0" lvl="0" indent="0" algn="l" rtl="0">
-                        <a:spcBef>
-                          <a:spcPts val="0"/>
-                        </a:spcBef>
-                        <a:spcAft>
-                          <a:spcPts val="0"/>
-                        </a:spcAft>
-                        <a:buNone/>
-                      </a:pPr>
-                      <a:r>
-                        <a:rPr lang="es-ES" sz="1800"/>
-                        <a:t>RF6</a:t>
-                      </a:r>
-                      <a:endParaRPr sz="1800"/>
-                    </a:p>
-                  </a:txBody>
-                  <a:tcPr marL="91450" marR="91450" marT="45725" marB="45725"/>
-                </a:tc>
-                <a:tc>
-                  <a:txBody>
-                    <a:bodyPr/>
-                    <a:lstStyle/>
-                    <a:p>
-                      <a:pPr marL="0" marR="0" lvl="0" indent="0" algn="l" rtl="0">
-                        <a:spcBef>
-                          <a:spcPts val="0"/>
-                        </a:spcBef>
-                        <a:spcAft>
-                          <a:spcPts val="0"/>
-                        </a:spcAft>
-                        <a:buNone/>
-                      </a:pPr>
-                      <a:r>
-                        <a:rPr lang="es-ES" sz="1600" dirty="0"/>
-                        <a:t>El sistema permitirá a los clientes hacer compras de los productos en venta </a:t>
-                      </a:r>
-                      <a:endParaRPr sz="1600" dirty="0"/>
-                    </a:p>
-                  </a:txBody>
-                  <a:tcPr marL="91450" marR="91450" marT="45725" marB="45725"/>
-                </a:tc>
-                <a:tc>
-                  <a:txBody>
-                    <a:bodyPr/>
-                    <a:lstStyle/>
-                    <a:p>
-                      <a:pPr marL="0" marR="0" lvl="0" indent="0" algn="ctr" rtl="0">
-                        <a:spcBef>
-                          <a:spcPts val="0"/>
-                        </a:spcBef>
-                        <a:spcAft>
-                          <a:spcPts val="0"/>
-                        </a:spcAft>
-                        <a:buNone/>
-                      </a:pPr>
-                      <a:r>
-                        <a:rPr lang="es-ES" sz="1800"/>
-                        <a:t>Alta</a:t>
-                      </a:r>
-                      <a:endParaRPr sz="1800"/>
-                    </a:p>
-                  </a:txBody>
-                  <a:tcPr marL="91450" marR="91450" marT="45725" marB="45725"/>
-                </a:tc>
-                <a:extLst>
-                  <a:ext uri="{0D108BD9-81ED-4DB2-BD59-A6C34878D82A}">
-                    <a16:rowId xmlns:a16="http://schemas.microsoft.com/office/drawing/2014/main" val="10006"/>
-                  </a:ext>
-                </a:extLst>
-              </a:tr>
-              <a:tr h="421400">
-                <a:tc>
-                  <a:txBody>
-                    <a:bodyPr/>
-                    <a:lstStyle/>
-                    <a:p>
-                      <a:pPr marL="0" marR="0" lvl="0" indent="0" algn="l" rtl="0">
-                        <a:spcBef>
-                          <a:spcPts val="0"/>
-                        </a:spcBef>
-                        <a:spcAft>
-                          <a:spcPts val="0"/>
-                        </a:spcAft>
-                        <a:buNone/>
-                      </a:pPr>
-                      <a:r>
-                        <a:rPr lang="es-ES" sz="1800"/>
-                        <a:t>RF7</a:t>
-                      </a:r>
-                      <a:endParaRPr sz="1800"/>
-                    </a:p>
-                  </a:txBody>
-                  <a:tcPr marL="91450" marR="91450" marT="45725" marB="45725"/>
-                </a:tc>
-                <a:tc>
-                  <a:txBody>
-                    <a:bodyPr/>
-                    <a:lstStyle/>
-                    <a:p>
-                      <a:pPr marL="0" marR="0" lvl="0" indent="0" algn="l" rtl="0">
-                        <a:spcBef>
-                          <a:spcPts val="0"/>
-                        </a:spcBef>
-                        <a:spcAft>
-                          <a:spcPts val="0"/>
-                        </a:spcAft>
-                        <a:buNone/>
-                      </a:pPr>
-                      <a:r>
-                        <a:rPr lang="es-ES" sz="1600" dirty="0"/>
-                        <a:t>El sistema permitirá al cliente modificar o especificar su perfil </a:t>
-                      </a:r>
-                      <a:endParaRPr sz="1600" dirty="0"/>
-                    </a:p>
-                  </a:txBody>
-                  <a:tcPr marL="91450" marR="91450" marT="45725" marB="45725"/>
-                </a:tc>
-                <a:tc>
-                  <a:txBody>
-                    <a:bodyPr/>
-                    <a:lstStyle/>
-                    <a:p>
-                      <a:pPr marL="0" marR="0" lvl="0" indent="0" algn="ctr" rtl="0">
-                        <a:spcBef>
-                          <a:spcPts val="0"/>
-                        </a:spcBef>
-                        <a:spcAft>
-                          <a:spcPts val="0"/>
-                        </a:spcAft>
-                        <a:buNone/>
-                      </a:pPr>
-                      <a:r>
-                        <a:rPr lang="es-ES" sz="1800" dirty="0"/>
-                        <a:t>Media</a:t>
-                      </a:r>
-                      <a:endParaRPr sz="1800" dirty="0"/>
-                    </a:p>
-                  </a:txBody>
-                  <a:tcPr marL="91450" marR="91450" marT="45725" marB="45725"/>
-                </a:tc>
-                <a:extLst>
-                  <a:ext uri="{0D108BD9-81ED-4DB2-BD59-A6C34878D82A}">
-                    <a16:rowId xmlns:a16="http://schemas.microsoft.com/office/drawing/2014/main" val="10007"/>
+                    <a16:rowId xmlns:a16="http://schemas.microsoft.com/office/drawing/2014/main" val="1101413827"/>
                   </a:ext>
                 </a:extLst>
               </a:tr>
@@ -13969,7 +13567,7 @@
           <p:nvPr>
             <p:extLst>
               <p:ext uri="{D42A27DB-BD31-4B8C-83A1-F6EECF244321}">
-                <p14:modId xmlns:p14="http://schemas.microsoft.com/office/powerpoint/2010/main" val="2410748910"/>
+                <p14:modId xmlns:p14="http://schemas.microsoft.com/office/powerpoint/2010/main" val="2431703274"/>
               </p:ext>
             </p:extLst>
           </p:nvPr>
@@ -13986,14 +13584,14 @@
                 <a:tableStyleId>{EB8F55C2-C6A8-4F32-9173-006296CE9A14}</a:tableStyleId>
               </a:tblPr>
               <a:tblGrid>
-                <a:gridCol w="1937800">
+                <a:gridCol w="1867495">
                   <a:extLst>
                     <a:ext uri="{9D8B030D-6E8A-4147-A177-3AD203B41FA5}">
                       <a16:colId xmlns:a16="http://schemas.microsoft.com/office/drawing/2014/main" val="20000"/>
                     </a:ext>
                   </a:extLst>
                 </a:gridCol>
-                <a:gridCol w="5256325">
+                <a:gridCol w="5326630">
                   <a:extLst>
                     <a:ext uri="{9D8B030D-6E8A-4147-A177-3AD203B41FA5}">
                       <a16:colId xmlns:a16="http://schemas.microsoft.com/office/drawing/2014/main" val="20001"/>
@@ -14014,7 +13612,7 @@
                     <a:bodyPr/>
                     <a:lstStyle/>
                     <a:p>
-                      <a:pPr marL="0" marR="0" lvl="0" indent="0" algn="l" rtl="0">
+                      <a:pPr marL="0" marR="0" lvl="0" indent="0" algn="ctr" rtl="0">
                         <a:spcBef>
                           <a:spcPts val="0"/>
                         </a:spcBef>
@@ -14024,14 +13622,14 @@
                         <a:buNone/>
                       </a:pPr>
                       <a:r>
-                        <a:rPr lang="es-ES" sz="1800" b="0">
+                        <a:rPr lang="es-ES" sz="1800" b="0" dirty="0">
                           <a:solidFill>
                             <a:schemeClr val="dk1"/>
                           </a:solidFill>
                         </a:rPr>
-                        <a:t>RF8</a:t>
+                        <a:t>RF6</a:t>
                       </a:r>
-                      <a:endParaRPr sz="1800" b="0">
+                      <a:endParaRPr sz="1800" b="0" dirty="0">
                         <a:solidFill>
                           <a:schemeClr val="dk1"/>
                         </a:solidFill>
@@ -14049,7 +13647,7 @@
                     <a:bodyPr/>
                     <a:lstStyle/>
                     <a:p>
-                      <a:pPr marL="0" marR="0" lvl="0" indent="0" algn="l" rtl="0">
+                      <a:pPr marL="0" marR="0" lvl="0" indent="0" algn="ctr" rtl="0">
                         <a:spcBef>
                           <a:spcPts val="0"/>
                         </a:spcBef>
@@ -14059,14 +13657,14 @@
                         <a:buNone/>
                       </a:pPr>
                       <a:r>
-                        <a:rPr lang="es-ES" sz="1600" b="0">
+                        <a:rPr lang="es-ES" sz="1600" b="0" dirty="0">
                           <a:solidFill>
                             <a:schemeClr val="dk1"/>
                           </a:solidFill>
                         </a:rPr>
                         <a:t>El sistema permitirá al administrador crear los productos en venta</a:t>
                       </a:r>
-                      <a:endParaRPr sz="1600" b="0">
+                      <a:endParaRPr sz="1600" b="0" dirty="0">
                         <a:solidFill>
                           <a:schemeClr val="dk1"/>
                         </a:solidFill>
@@ -14126,7 +13724,7 @@
                     <a:bodyPr/>
                     <a:lstStyle/>
                     <a:p>
-                      <a:pPr marL="0" marR="0" lvl="0" indent="0" algn="l" rtl="0">
+                      <a:pPr marL="0" marR="0" lvl="0" indent="0" algn="ctr" rtl="0">
                         <a:spcBef>
                           <a:spcPts val="0"/>
                         </a:spcBef>
@@ -14136,10 +13734,10 @@
                         <a:buNone/>
                       </a:pPr>
                       <a:r>
-                        <a:rPr lang="es-ES" sz="1800"/>
-                        <a:t>RF9</a:t>
+                        <a:rPr lang="es-ES" sz="1800" dirty="0"/>
+                        <a:t>RF7</a:t>
                       </a:r>
-                      <a:endParaRPr sz="1800"/>
+                      <a:endParaRPr sz="1800" dirty="0"/>
                     </a:p>
                   </a:txBody>
                   <a:tcPr marL="91450" marR="91450" marT="45725" marB="45725"/>
@@ -14149,7 +13747,7 @@
                     <a:bodyPr/>
                     <a:lstStyle/>
                     <a:p>
-                      <a:pPr marL="0" marR="0" lvl="0" indent="0" algn="l" rtl="0">
+                      <a:pPr marL="0" marR="0" lvl="0" indent="0" algn="ctr" rtl="0">
                         <a:spcBef>
                           <a:spcPts val="0"/>
                         </a:spcBef>
@@ -14159,10 +13757,10 @@
                         <a:buNone/>
                       </a:pPr>
                       <a:r>
-                        <a:rPr lang="es-ES" sz="1600"/>
+                        <a:rPr lang="es-ES" sz="1600" dirty="0"/>
                         <a:t>Los clientes podrán reservar turnos seleccionando una fecha y hora disponibles</a:t>
                       </a:r>
-                      <a:endParaRPr sz="1600"/>
+                      <a:endParaRPr sz="1600" dirty="0"/>
                     </a:p>
                   </a:txBody>
                   <a:tcPr marL="91450" marR="91450" marT="45725" marB="45725"/>
@@ -14202,7 +13800,7 @@
                     <a:bodyPr/>
                     <a:lstStyle/>
                     <a:p>
-                      <a:pPr marL="0" marR="0" lvl="0" indent="0" algn="l" rtl="0">
+                      <a:pPr marL="0" marR="0" lvl="0" indent="0" algn="ctr" rtl="0">
                         <a:spcBef>
                           <a:spcPts val="0"/>
                         </a:spcBef>
@@ -14212,10 +13810,10 @@
                         <a:buNone/>
                       </a:pPr>
                       <a:r>
-                        <a:rPr lang="es-ES" sz="1800"/>
-                        <a:t>RF10</a:t>
+                        <a:rPr lang="es-ES" sz="1800" dirty="0"/>
+                        <a:t>RF8</a:t>
                       </a:r>
-                      <a:endParaRPr sz="1800"/>
+                      <a:endParaRPr sz="1800" dirty="0"/>
                     </a:p>
                   </a:txBody>
                   <a:tcPr marL="91450" marR="91450" marT="45725" marB="45725"/>
@@ -14225,7 +13823,7 @@
                     <a:bodyPr/>
                     <a:lstStyle/>
                     <a:p>
-                      <a:pPr marL="0" marR="0" lvl="0" indent="0" algn="l" rtl="0">
+                      <a:pPr marL="0" marR="0" lvl="0" indent="0" algn="ctr" rtl="0">
                         <a:spcBef>
                           <a:spcPts val="0"/>
                         </a:spcBef>
@@ -14294,7 +13892,7 @@
                     <a:bodyPr/>
                     <a:lstStyle/>
                     <a:p>
-                      <a:pPr marL="0" marR="0" lvl="0" indent="0" algn="l" rtl="0">
+                      <a:pPr marL="0" marR="0" lvl="0" indent="0" algn="ctr" rtl="0">
                         <a:spcBef>
                           <a:spcPts val="0"/>
                         </a:spcBef>
@@ -14305,7 +13903,7 @@
                       </a:pPr>
                       <a:r>
                         <a:rPr lang="es-ES" sz="1800" dirty="0"/>
-                        <a:t>RF11</a:t>
+                        <a:t>RF9</a:t>
                       </a:r>
                       <a:endParaRPr sz="1800" dirty="0"/>
                     </a:p>
@@ -14317,7 +13915,7 @@
                     <a:bodyPr/>
                     <a:lstStyle/>
                     <a:p>
-                      <a:pPr marL="0" marR="0" lvl="0" indent="0" algn="l" rtl="0">
+                      <a:pPr marL="0" marR="0" lvl="0" indent="0" algn="ctr" rtl="0">
                         <a:spcBef>
                           <a:spcPts val="0"/>
                         </a:spcBef>
@@ -14358,14 +13956,14 @@
                         <a:buNone/>
                       </a:pPr>
                       <a:r>
-                        <a:rPr lang="es-ES" sz="1800">
+                        <a:rPr lang="es-ES" sz="1800" dirty="0">
                           <a:solidFill>
                             <a:schemeClr val="dk1"/>
                           </a:solidFill>
                         </a:rPr>
                         <a:t>Media  </a:t>
                       </a:r>
-                      <a:endParaRPr sz="1800">
+                      <a:endParaRPr sz="1800" dirty="0">
                         <a:solidFill>
                           <a:schemeClr val="dk1"/>
                         </a:solidFill>
@@ -14386,7 +13984,7 @@
                     <a:bodyPr/>
                     <a:lstStyle/>
                     <a:p>
-                      <a:pPr marL="0" marR="0" lvl="0" indent="0" algn="l" rtl="0">
+                      <a:pPr marL="0" marR="0" lvl="0" indent="0" algn="ctr" rtl="0">
                         <a:spcBef>
                           <a:spcPts val="0"/>
                         </a:spcBef>
@@ -14396,10 +13994,10 @@
                         <a:buNone/>
                       </a:pPr>
                       <a:r>
-                        <a:rPr lang="es-ES" sz="1800"/>
-                        <a:t>RF12</a:t>
+                        <a:rPr lang="es-ES" sz="1800" dirty="0"/>
+                        <a:t>RF10</a:t>
                       </a:r>
-                      <a:endParaRPr sz="1800"/>
+                      <a:endParaRPr sz="1800" dirty="0"/>
                     </a:p>
                   </a:txBody>
                   <a:tcPr marL="91450" marR="91450" marT="45725" marB="45725"/>
@@ -14409,7 +14007,7 @@
                     <a:bodyPr/>
                     <a:lstStyle/>
                     <a:p>
-                      <a:pPr marL="0" marR="0" lvl="0" indent="0" algn="l" rtl="0">
+                      <a:pPr marL="0" marR="0" lvl="0" indent="0" algn="ctr" rtl="0">
                         <a:spcBef>
                           <a:spcPts val="0"/>
                         </a:spcBef>
@@ -14419,14 +14017,14 @@
                         <a:buNone/>
                       </a:pPr>
                       <a:r>
-                        <a:rPr lang="es-ES" sz="1600" b="0">
+                        <a:rPr lang="es-ES" sz="1600" b="0" dirty="0">
                           <a:solidFill>
                             <a:schemeClr val="dk1"/>
                           </a:solidFill>
                         </a:rPr>
                         <a:t>El sistema permitirá a los usuarios cerrar sesión </a:t>
                       </a:r>
-                      <a:endParaRPr sz="1600" b="0">
+                      <a:endParaRPr sz="1600" b="0" dirty="0">
                         <a:solidFill>
                           <a:schemeClr val="dk1"/>
                         </a:solidFill>
@@ -14478,7 +14076,7 @@
                     <a:bodyPr/>
                     <a:lstStyle/>
                     <a:p>
-                      <a:pPr marL="0" marR="0" lvl="0" indent="0" algn="l" rtl="0">
+                      <a:pPr marL="0" marR="0" lvl="0" indent="0" algn="ctr" rtl="0">
                         <a:spcBef>
                           <a:spcPts val="0"/>
                         </a:spcBef>
@@ -14488,10 +14086,10 @@
                         <a:buNone/>
                       </a:pPr>
                       <a:r>
-                        <a:rPr lang="es-ES" sz="1800"/>
-                        <a:t>RF13</a:t>
+                        <a:rPr lang="es-ES" sz="1800" dirty="0"/>
+                        <a:t>RF11</a:t>
                       </a:r>
-                      <a:endParaRPr sz="1800"/>
+                      <a:endParaRPr sz="1800" dirty="0"/>
                     </a:p>
                   </a:txBody>
                   <a:tcPr marL="91450" marR="91450" marT="45725" marB="45725"/>
@@ -14501,7 +14099,7 @@
                     <a:bodyPr/>
                     <a:lstStyle/>
                     <a:p>
-                      <a:pPr marL="0" marR="0" lvl="0" indent="0" algn="l" rtl="0">
+                      <a:pPr marL="0" marR="0" lvl="0" indent="0" algn="ctr" rtl="0">
                         <a:spcBef>
                           <a:spcPts val="0"/>
                         </a:spcBef>
@@ -14521,7 +14119,7 @@
                       <a:endParaRPr dirty="0"/>
                     </a:p>
                     <a:p>
-                      <a:pPr marL="0" marR="0" lvl="0" indent="0" algn="l" rtl="0">
+                      <a:pPr marL="0" marR="0" lvl="0" indent="0" algn="ctr" rtl="0">
                         <a:spcBef>
                           <a:spcPts val="0"/>
                         </a:spcBef>
@@ -14554,14 +14152,14 @@
                         <a:buNone/>
                       </a:pPr>
                       <a:r>
-                        <a:rPr lang="es-ES" sz="1800">
+                        <a:rPr lang="es-ES" sz="1800" dirty="0">
                           <a:solidFill>
                             <a:schemeClr val="dk1"/>
                           </a:solidFill>
                         </a:rPr>
                         <a:t>Alta</a:t>
                       </a:r>
-                      <a:endParaRPr sz="1800">
+                      <a:endParaRPr sz="1800" dirty="0">
                         <a:solidFill>
                           <a:schemeClr val="dk1"/>
                         </a:solidFill>
@@ -14582,7 +14180,7 @@
                     <a:bodyPr/>
                     <a:lstStyle/>
                     <a:p>
-                      <a:pPr marL="0" marR="0" lvl="0" indent="0" algn="l" rtl="0">
+                      <a:pPr marL="0" marR="0" lvl="0" indent="0" algn="ctr" rtl="0">
                         <a:spcBef>
                           <a:spcPts val="0"/>
                         </a:spcBef>
@@ -14592,10 +14190,10 @@
                         <a:buNone/>
                       </a:pPr>
                       <a:r>
-                        <a:rPr lang="es-ES" sz="1800"/>
-                        <a:t>RF14</a:t>
+                        <a:rPr lang="es-ES" sz="1800" dirty="0"/>
+                        <a:t>RF12</a:t>
                       </a:r>
-                      <a:endParaRPr sz="1800"/>
+                      <a:endParaRPr sz="1800" dirty="0"/>
                     </a:p>
                   </a:txBody>
                   <a:tcPr marL="91450" marR="91450" marT="45725" marB="45725"/>
@@ -14605,7 +14203,7 @@
                     <a:bodyPr/>
                     <a:lstStyle/>
                     <a:p>
-                      <a:pPr marL="0" marR="0" lvl="0" indent="0" algn="l" rtl="0">
+                      <a:pPr marL="0" marR="0" lvl="0" indent="0" algn="ctr" rtl="0">
                         <a:spcBef>
                           <a:spcPts val="0"/>
                         </a:spcBef>
@@ -14674,7 +14272,7 @@
                     <a:bodyPr/>
                     <a:lstStyle/>
                     <a:p>
-                      <a:pPr marL="0" marR="0" lvl="0" indent="0" algn="l" rtl="0">
+                      <a:pPr marL="0" marR="0" lvl="0" indent="0" algn="ctr" rtl="0">
                         <a:spcBef>
                           <a:spcPts val="0"/>
                         </a:spcBef>
@@ -14684,10 +14282,10 @@
                         <a:buNone/>
                       </a:pPr>
                       <a:r>
-                        <a:rPr lang="es-ES" sz="1800"/>
-                        <a:t>RF15</a:t>
+                        <a:rPr lang="es-ES" sz="1800" dirty="0"/>
+                        <a:t>RF13</a:t>
                       </a:r>
-                      <a:endParaRPr sz="1800"/>
+                      <a:endParaRPr sz="1800" dirty="0"/>
                     </a:p>
                   </a:txBody>
                   <a:tcPr marL="91450" marR="91450" marT="45725" marB="45725"/>
@@ -14697,7 +14295,7 @@
                     <a:bodyPr/>
                     <a:lstStyle/>
                     <a:p>
-                      <a:pPr marL="0" marR="0" lvl="0" indent="0" algn="l" rtl="0">
+                      <a:pPr marL="0" marR="0" lvl="0" indent="0" algn="ctr" rtl="0">
                         <a:spcBef>
                           <a:spcPts val="0"/>
                         </a:spcBef>
@@ -14766,7 +14364,7 @@
                     <a:bodyPr/>
                     <a:lstStyle/>
                     <a:p>
-                      <a:pPr marL="0" marR="0" lvl="0" indent="0" algn="l" rtl="0">
+                      <a:pPr marL="0" marR="0" lvl="0" indent="0" algn="ctr" rtl="0">
                         <a:spcBef>
                           <a:spcPts val="0"/>
                         </a:spcBef>
@@ -14777,7 +14375,7 @@
                       </a:pPr>
                       <a:r>
                         <a:rPr lang="es-ES" sz="1800" dirty="0"/>
-                        <a:t>RF16 </a:t>
+                        <a:t>RF14 </a:t>
                       </a:r>
                       <a:endParaRPr sz="1800" dirty="0"/>
                     </a:p>
@@ -14789,7 +14387,7 @@
                     <a:bodyPr/>
                     <a:lstStyle/>
                     <a:p>
-                      <a:pPr marL="0" marR="0" lvl="0" indent="0" algn="l" rtl="0">
+                      <a:pPr marL="0" marR="0" lvl="0" indent="0" algn="ctr" rtl="0">
                         <a:spcBef>
                           <a:spcPts val="0"/>
                         </a:spcBef>
@@ -14871,7 +14469,7 @@
           <p:nvPr>
             <p:extLst>
               <p:ext uri="{D42A27DB-BD31-4B8C-83A1-F6EECF244321}">
-                <p14:modId xmlns:p14="http://schemas.microsoft.com/office/powerpoint/2010/main" val="486940196"/>
+                <p14:modId xmlns:p14="http://schemas.microsoft.com/office/powerpoint/2010/main" val="314011636"/>
               </p:ext>
             </p:extLst>
           </p:nvPr>
@@ -14916,7 +14514,7 @@
                     <a:bodyPr/>
                     <a:lstStyle/>
                     <a:p>
-                      <a:pPr marL="0" marR="0" lvl="0" indent="0" algn="l" rtl="0">
+                      <a:pPr marL="0" marR="0" lvl="0" indent="0" algn="ctr" rtl="0">
                         <a:spcBef>
                           <a:spcPts val="0"/>
                         </a:spcBef>
@@ -14931,7 +14529,7 @@
                             <a:schemeClr val="tx1"/>
                           </a:solidFill>
                         </a:rPr>
-                        <a:t>RF17</a:t>
+                        <a:t>RF15</a:t>
                       </a:r>
                       <a:endParaRPr sz="1800" b="0" dirty="0">
                         <a:solidFill>
@@ -14953,7 +14551,7 @@
                     <a:bodyPr/>
                     <a:lstStyle/>
                     <a:p>
-                      <a:pPr marL="0" marR="0" lvl="0" indent="0" algn="l" rtl="0">
+                      <a:pPr marL="0" marR="0" lvl="0" indent="0" algn="ctr" rtl="0">
                         <a:spcBef>
                           <a:spcPts val="0"/>
                         </a:spcBef>
@@ -15058,225 +14656,6 @@
     </p:bg>
     <p:spTree>
       <p:nvGrpSpPr>
-        <p:cNvPr id="1" name="Shape 106"/>
-        <p:cNvGrpSpPr/>
-        <p:nvPr/>
-      </p:nvGrpSpPr>
-      <p:grpSpPr>
-        <a:xfrm>
-          <a:off x="0" y="0"/>
-          <a:ext cx="0" cy="0"/>
-          <a:chOff x="0" y="0"/>
-          <a:chExt cx="0" cy="0"/>
-        </a:xfrm>
-      </p:grpSpPr>
-      <p:graphicFrame>
-        <p:nvGraphicFramePr>
-          <p:cNvPr id="2" name="Tabla 1">
-            <a:extLst>
-              <a:ext uri="{FF2B5EF4-FFF2-40B4-BE49-F238E27FC236}">
-                <a16:creationId xmlns:a16="http://schemas.microsoft.com/office/drawing/2014/main" id="{6CCC274B-1AC9-53CC-418E-1B3F0C0E08A6}"/>
-              </a:ext>
-            </a:extLst>
-          </p:cNvPr>
-          <p:cNvGraphicFramePr>
-            <a:graphicFrameLocks noGrp="1"/>
-          </p:cNvGraphicFramePr>
-          <p:nvPr>
-            <p:extLst>
-              <p:ext uri="{D42A27DB-BD31-4B8C-83A1-F6EECF244321}">
-                <p14:modId xmlns:p14="http://schemas.microsoft.com/office/powerpoint/2010/main" val="758356458"/>
-              </p:ext>
-            </p:extLst>
-          </p:nvPr>
-        </p:nvGraphicFramePr>
-        <p:xfrm>
-          <a:off x="871344" y="1174253"/>
-          <a:ext cx="9997500" cy="744525"/>
-        </p:xfrm>
-        <a:graphic>
-          <a:graphicData uri="http://schemas.openxmlformats.org/drawingml/2006/table">
-            <a:tbl>
-              <a:tblPr firstRow="1" bandRow="1">
-                <a:noFill/>
-                <a:tableStyleId>{EB8F55C2-C6A8-4F32-9173-006296CE9A14}</a:tableStyleId>
-              </a:tblPr>
-              <a:tblGrid>
-                <a:gridCol w="1937800">
-                  <a:extLst>
-                    <a:ext uri="{9D8B030D-6E8A-4147-A177-3AD203B41FA5}">
-                      <a16:colId xmlns:a16="http://schemas.microsoft.com/office/drawing/2014/main" val="3058243064"/>
-                    </a:ext>
-                  </a:extLst>
-                </a:gridCol>
-                <a:gridCol w="5256325">
-                  <a:extLst>
-                    <a:ext uri="{9D8B030D-6E8A-4147-A177-3AD203B41FA5}">
-                      <a16:colId xmlns:a16="http://schemas.microsoft.com/office/drawing/2014/main" val="3216781812"/>
-                    </a:ext>
-                  </a:extLst>
-                </a:gridCol>
-                <a:gridCol w="2803375">
-                  <a:extLst>
-                    <a:ext uri="{9D8B030D-6E8A-4147-A177-3AD203B41FA5}">
-                      <a16:colId xmlns:a16="http://schemas.microsoft.com/office/drawing/2014/main" val="725256212"/>
-                    </a:ext>
-                  </a:extLst>
-                </a:gridCol>
-              </a:tblGrid>
-              <a:tr h="744525">
-                <a:tc>
-                  <a:txBody>
-                    <a:bodyPr/>
-                    <a:lstStyle/>
-                    <a:p>
-                      <a:pPr marL="0" marR="0" lvl="0" indent="0" algn="l" rtl="0">
-                        <a:spcBef>
-                          <a:spcPts val="0"/>
-                        </a:spcBef>
-                        <a:spcAft>
-                          <a:spcPts val="0"/>
-                        </a:spcAft>
-                        <a:buNone/>
-                      </a:pPr>
-                      <a:r>
-                        <a:rPr lang="es-ES" sz="1800" b="0" dirty="0">
-                          <a:solidFill>
-                            <a:schemeClr val="tx1"/>
-                          </a:solidFill>
-                        </a:rPr>
-                        <a:t>RF18</a:t>
-                      </a:r>
-                      <a:endParaRPr sz="1800" b="0" dirty="0">
-                        <a:solidFill>
-                          <a:schemeClr val="tx1"/>
-                        </a:solidFill>
-                      </a:endParaRPr>
-                    </a:p>
-                  </a:txBody>
-                  <a:tcPr marL="91450" marR="91450" marT="45725" marB="45725">
-                    <a:solidFill>
-                      <a:schemeClr val="tx2">
-                        <a:lumMod val="90000"/>
-                      </a:schemeClr>
-                    </a:solidFill>
-                  </a:tcPr>
-                </a:tc>
-                <a:tc>
-                  <a:txBody>
-                    <a:bodyPr/>
-                    <a:lstStyle/>
-                    <a:p>
-                      <a:pPr marL="0" marR="0" lvl="0" indent="0" algn="l" rtl="0">
-                        <a:spcBef>
-                          <a:spcPts val="0"/>
-                        </a:spcBef>
-                        <a:spcAft>
-                          <a:spcPts val="0"/>
-                        </a:spcAft>
-                        <a:buNone/>
-                      </a:pPr>
-                      <a:r>
-                        <a:rPr lang="es-ES" sz="1600" b="0" dirty="0">
-                          <a:solidFill>
-                            <a:schemeClr val="dk1"/>
-                          </a:solidFill>
-                        </a:rPr>
-                        <a:t>El sistema permitirá a los clientes agregar productos al carrito de compras</a:t>
-                      </a:r>
-                      <a:endParaRPr sz="1600" b="0" dirty="0">
-                        <a:solidFill>
-                          <a:schemeClr val="dk1"/>
-                        </a:solidFill>
-                      </a:endParaRPr>
-                    </a:p>
-                  </a:txBody>
-                  <a:tcPr marL="91450" marR="91450" marT="45725" marB="45725">
-                    <a:solidFill>
-                      <a:schemeClr val="tx2">
-                        <a:lumMod val="90000"/>
-                      </a:schemeClr>
-                    </a:solidFill>
-                  </a:tcPr>
-                </a:tc>
-                <a:tc>
-                  <a:txBody>
-                    <a:bodyPr/>
-                    <a:lstStyle/>
-                    <a:p>
-                      <a:pPr marL="0" marR="0" lvl="0" indent="0" algn="ctr" rtl="0">
-                        <a:spcBef>
-                          <a:spcPts val="0"/>
-                        </a:spcBef>
-                        <a:spcAft>
-                          <a:spcPts val="0"/>
-                        </a:spcAft>
-                        <a:buNone/>
-                      </a:pPr>
-                      <a:r>
-                        <a:rPr lang="es-ES" sz="1800" b="0" dirty="0">
-                          <a:solidFill>
-                            <a:schemeClr val="dk1"/>
-                          </a:solidFill>
-                        </a:rPr>
-                        <a:t>Alta</a:t>
-                      </a:r>
-                      <a:endParaRPr sz="1800" b="0" dirty="0">
-                        <a:solidFill>
-                          <a:schemeClr val="dk1"/>
-                        </a:solidFill>
-                      </a:endParaRPr>
-                    </a:p>
-                  </a:txBody>
-                  <a:tcPr marL="91450" marR="91450" marT="45725" marB="45725">
-                    <a:solidFill>
-                      <a:schemeClr val="tx2">
-                        <a:lumMod val="90000"/>
-                      </a:schemeClr>
-                    </a:solidFill>
-                  </a:tcPr>
-                </a:tc>
-                <a:extLst>
-                  <a:ext uri="{0D108BD9-81ED-4DB2-BD59-A6C34878D82A}">
-                    <a16:rowId xmlns:a16="http://schemas.microsoft.com/office/drawing/2014/main" val="3867579011"/>
-                  </a:ext>
-                </a:extLst>
-              </a:tr>
-            </a:tbl>
-          </a:graphicData>
-        </a:graphic>
-      </p:graphicFrame>
-    </p:spTree>
-    <p:extLst>
-      <p:ext uri="{BB962C8B-B14F-4D97-AF65-F5344CB8AC3E}">
-        <p14:creationId xmlns:p14="http://schemas.microsoft.com/office/powerpoint/2010/main" val="3747032665"/>
-      </p:ext>
-    </p:extLst>
-  </p:cSld>
-  <p:clrMapOvr>
-    <a:masterClrMapping/>
-  </p:clrMapOvr>
-</p:sld>
-</file>
-
-<file path=ppt/slides/slide5.xml><?xml version="1.0" encoding="utf-8"?>
-<p:sld xmlns:a="http://schemas.openxmlformats.org/drawingml/2006/main" xmlns:r="http://schemas.openxmlformats.org/officeDocument/2006/relationships" xmlns:p="http://schemas.openxmlformats.org/presentationml/2006/main">
-  <p:cSld>
-    <p:bg>
-      <p:bgPr>
-        <a:blipFill>
-          <a:blip r:embed="rId3">
-            <a:alphaModFix/>
-          </a:blip>
-          <a:stretch>
-            <a:fillRect/>
-          </a:stretch>
-        </a:blipFill>
-        <a:effectLst/>
-      </p:bgPr>
-    </p:bg>
-    <p:spTree>
-      <p:nvGrpSpPr>
         <p:cNvPr id="1" name="Shape 111"/>
         <p:cNvGrpSpPr/>
         <p:nvPr/>
@@ -15438,7 +14817,7 @@
 </p:sld>
 </file>
 
-<file path=ppt/slides/slide6.xml><?xml version="1.0" encoding="utf-8"?>
+<file path=ppt/slides/slide5.xml><?xml version="1.0" encoding="utf-8"?>
 <p:sld xmlns:a="http://schemas.openxmlformats.org/drawingml/2006/main" xmlns:r="http://schemas.openxmlformats.org/officeDocument/2006/relationships" xmlns:p="http://schemas.openxmlformats.org/presentationml/2006/main">
   <p:cSld>
     <p:bg>
